--- a/IanMcLennan GenAI Capstone Presentation.pptx
+++ b/IanMcLennan GenAI Capstone Presentation.pptx
@@ -249,7 +249,7 @@
               <a:rPr lang="en-US" smtClean="0">
                 <a:latin typeface="Arial" panose="020B0604020202020204" pitchFamily="34" charset="0"/>
               </a:rPr>
-              <a:t>11/15/2023</a:t>
+              <a:t>11/17/2023</a:t>
             </a:fld>
             <a:endParaRPr lang="en-US" dirty="0">
               <a:latin typeface="Arial" panose="020B0604020202020204" pitchFamily="34" charset="0"/>
@@ -428,7 +428,7 @@
             <a:fld id="{0BA5BBE4-AEA3-489A-A28E-0C2FAF2506E3}" type="datetimeFigureOut">
               <a:rPr lang="en-US" smtClean="0"/>
               <a:pPr/>
-              <a:t>11/15/2023</a:t>
+              <a:t>11/17/2023</a:t>
             </a:fld>
             <a:endParaRPr lang="en-US" dirty="0"/>
           </a:p>
@@ -10703,7 +10703,7 @@
             </a:pPr>
             <a:r>
               <a:rPr lang="en-US" sz="1000" dirty="0"/>
-              <a:t>This application allows users to input their skills and experience and receive a generated response that is designed specifically for the project role</a:t>
+              <a:t>This application allows users to input a PDF of their resume and receive a generated response that is designed specifically for the project role</a:t>
             </a:r>
           </a:p>
           <a:p>
@@ -11628,8 +11628,8 @@
         </p:nvSpPr>
         <p:spPr>
           <a:xfrm>
-            <a:off x="5169575" y="2525664"/>
-            <a:ext cx="2007085" cy="2308324"/>
+            <a:off x="5169575" y="2602608"/>
+            <a:ext cx="2007085" cy="2154436"/>
           </a:xfrm>
           <a:prstGeom prst="rect">
             <a:avLst/>
@@ -11667,7 +11667,7 @@
                   <a:schemeClr val="bg1"/>
                 </a:solidFill>
               </a:rPr>
-              <a:t>The application can take the user’s key skills and experience and returns a statement of interest that is tailored to the project role provided</a:t>
+              <a:t>The application can take the user’s resume and generate a statement of interest that is tailored to the role description provided</a:t>
             </a:r>
           </a:p>
           <a:p>
